--- a/FluentValidation-2010-04-14/FluentValidation.pptx
+++ b/FluentValidation-2010-04-14/FluentValidation.pptx
@@ -361,7 +361,7 @@
             <a:fld id="{1D8BD707-D9CF-40AE-B4C6-C98DA3205C09}" type="datetimeFigureOut">
               <a:rPr lang="en-US" smtClean="0"/>
               <a:pPr/>
-              <a:t>4/5/2010</a:t>
+              <a:t>4/14/2010</a:t>
             </a:fld>
             <a:endParaRPr lang="en-US"/>
           </a:p>
@@ -586,7 +586,7 @@
             <a:fld id="{1D8BD707-D9CF-40AE-B4C6-C98DA3205C09}" type="datetimeFigureOut">
               <a:rPr lang="en-US" smtClean="0"/>
               <a:pPr/>
-              <a:t>4/5/2010</a:t>
+              <a:t>4/14/2010</a:t>
             </a:fld>
             <a:endParaRPr lang="en-US"/>
           </a:p>
@@ -868,7 +868,7 @@
             <a:fld id="{1D8BD707-D9CF-40AE-B4C6-C98DA3205C09}" type="datetimeFigureOut">
               <a:rPr lang="en-US" smtClean="0"/>
               <a:pPr/>
-              <a:t>4/5/2010</a:t>
+              <a:t>4/14/2010</a:t>
             </a:fld>
             <a:endParaRPr lang="en-US"/>
           </a:p>
@@ -1049,7 +1049,7 @@
             <a:fld id="{1D8BD707-D9CF-40AE-B4C6-C98DA3205C09}" type="datetimeFigureOut">
               <a:rPr lang="en-US" smtClean="0"/>
               <a:pPr/>
-              <a:t>4/5/2010</a:t>
+              <a:t>4/14/2010</a:t>
             </a:fld>
             <a:endParaRPr lang="en-US"/>
           </a:p>
@@ -1409,7 +1409,7 @@
             <a:fld id="{1D8BD707-D9CF-40AE-B4C6-C98DA3205C09}" type="datetimeFigureOut">
               <a:rPr lang="en-US" smtClean="0"/>
               <a:pPr/>
-              <a:t>4/5/2010</a:t>
+              <a:t>4/14/2010</a:t>
             </a:fld>
             <a:endParaRPr lang="en-US"/>
           </a:p>
@@ -1698,7 +1698,7 @@
             <a:fld id="{1D8BD707-D9CF-40AE-B4C6-C98DA3205C09}" type="datetimeFigureOut">
               <a:rPr lang="en-US" smtClean="0"/>
               <a:pPr/>
-              <a:t>4/5/2010</a:t>
+              <a:t>4/14/2010</a:t>
             </a:fld>
             <a:endParaRPr lang="en-US"/>
           </a:p>
@@ -2122,7 +2122,7 @@
             <a:fld id="{1D8BD707-D9CF-40AE-B4C6-C98DA3205C09}" type="datetimeFigureOut">
               <a:rPr lang="en-US" smtClean="0"/>
               <a:pPr/>
-              <a:t>4/5/2010</a:t>
+              <a:t>4/14/2010</a:t>
             </a:fld>
             <a:endParaRPr lang="en-US"/>
           </a:p>
@@ -2239,7 +2239,7 @@
             <a:fld id="{1D8BD707-D9CF-40AE-B4C6-C98DA3205C09}" type="datetimeFigureOut">
               <a:rPr lang="en-US" smtClean="0"/>
               <a:pPr/>
-              <a:t>4/5/2010</a:t>
+              <a:t>4/14/2010</a:t>
             </a:fld>
             <a:endParaRPr lang="en-US"/>
           </a:p>
@@ -2331,7 +2331,7 @@
             <a:fld id="{1D8BD707-D9CF-40AE-B4C6-C98DA3205C09}" type="datetimeFigureOut">
               <a:rPr lang="en-US" smtClean="0"/>
               <a:pPr/>
-              <a:t>4/5/2010</a:t>
+              <a:t>4/14/2010</a:t>
             </a:fld>
             <a:endParaRPr lang="en-US"/>
           </a:p>
@@ -2611,7 +2611,7 @@
             <a:fld id="{1D8BD707-D9CF-40AE-B4C6-C98DA3205C09}" type="datetimeFigureOut">
               <a:rPr lang="en-US" smtClean="0"/>
               <a:pPr/>
-              <a:t>4/5/2010</a:t>
+              <a:t>4/14/2010</a:t>
             </a:fld>
             <a:endParaRPr lang="en-US"/>
           </a:p>
@@ -2979,7 +2979,7 @@
             <a:fld id="{1D8BD707-D9CF-40AE-B4C6-C98DA3205C09}" type="datetimeFigureOut">
               <a:rPr lang="en-US" smtClean="0"/>
               <a:pPr/>
-              <a:t>4/5/2010</a:t>
+              <a:t>4/14/2010</a:t>
             </a:fld>
             <a:endParaRPr lang="en-US"/>
           </a:p>
@@ -3418,7 +3418,7 @@
             <a:fld id="{1D8BD707-D9CF-40AE-B4C6-C98DA3205C09}" type="datetimeFigureOut">
               <a:rPr lang="en-US" smtClean="0"/>
               <a:pPr/>
-              <a:t>4/5/2010</a:t>
+              <a:t>4/14/2010</a:t>
             </a:fld>
             <a:endParaRPr lang="en-US"/>
           </a:p>
@@ -4129,12 +4129,58 @@
           <a:p>
             <a:r>
               <a:rPr lang="en-GB" dirty="0" smtClean="0"/>
-              <a:t>Declarative validation rules</a:t>
+              <a:t>Define validation rules through code</a:t>
+            </a:r>
+          </a:p>
+          <a:p>
+            <a:pPr lvl="1"/>
+            <a:r>
+              <a:rPr lang="en-GB" dirty="0" smtClean="0"/>
+              <a:t>Fluent Interface</a:t>
+            </a:r>
+          </a:p>
+          <a:p>
+            <a:pPr lvl="1"/>
+            <a:r>
+              <a:rPr lang="en-GB" dirty="0" smtClean="0"/>
+              <a:t>Lambda Expressions</a:t>
+            </a:r>
+          </a:p>
+          <a:p>
+            <a:r>
+              <a:rPr lang="en-GB" dirty="0" smtClean="0"/>
+              <a:t>Extensible</a:t>
             </a:r>
             <a:endParaRPr lang="en-GB" dirty="0"/>
           </a:p>
         </p:txBody>
       </p:sp>
+      <p:pic>
+        <p:nvPicPr>
+          <p:cNvPr id="1026" name="Picture 2" descr="C:\projects\FluentValidation\fv.png"/>
+          <p:cNvPicPr>
+            <a:picLocks noChangeAspect="1" noChangeArrowheads="1"/>
+          </p:cNvPicPr>
+          <p:nvPr/>
+        </p:nvPicPr>
+        <p:blipFill>
+          <a:blip r:embed="rId2" cstate="print"/>
+          <a:srcRect/>
+          <a:stretch>
+            <a:fillRect/>
+          </a:stretch>
+        </p:blipFill>
+        <p:spPr bwMode="auto">
+          <a:xfrm>
+            <a:off x="6781800" y="1600200"/>
+            <a:ext cx="2105025" cy="1143000"/>
+          </a:xfrm>
+          <a:prstGeom prst="rect">
+            <a:avLst/>
+          </a:prstGeom>
+          <a:noFill/>
+        </p:spPr>
+      </p:pic>
     </p:spTree>
   </p:cSld>
   <p:clrMapOvr>
@@ -4328,8 +4374,33 @@
           <a:p>
             <a:r>
               <a:rPr lang="en-GB" dirty="0" smtClean="0"/>
-              <a:t>MVC2 Metadata integration</a:t>
-            </a:r>
+              <a:t>MVC2 Metadata </a:t>
+            </a:r>
+            <a:r>
+              <a:rPr lang="en-GB" dirty="0" smtClean="0"/>
+              <a:t>integration</a:t>
+            </a:r>
+          </a:p>
+          <a:p>
+            <a:r>
+              <a:rPr lang="en-GB" dirty="0" smtClean="0"/>
+              <a:t>Experimental support for:</a:t>
+            </a:r>
+          </a:p>
+          <a:p>
+            <a:pPr lvl="1"/>
+            <a:r>
+              <a:rPr lang="en-GB" dirty="0" smtClean="0"/>
+              <a:t>Silverlight</a:t>
+            </a:r>
+          </a:p>
+          <a:p>
+            <a:pPr lvl="1"/>
+            <a:r>
+              <a:rPr lang="en-GB" dirty="0" err="1" smtClean="0"/>
+              <a:t>xVal</a:t>
+            </a:r>
+            <a:endParaRPr lang="en-GB" dirty="0" smtClean="0"/>
           </a:p>
           <a:p>
             <a:endParaRPr lang="en-GB" dirty="0" smtClean="0"/>

--- a/FluentValidation-2010-04-14/FluentValidation.pptx
+++ b/FluentValidation-2010-04-14/FluentValidation.pptx
@@ -4374,11 +4374,7 @@
           <a:p>
             <a:r>
               <a:rPr lang="en-GB" dirty="0" smtClean="0"/>
-              <a:t>MVC2 Metadata </a:t>
-            </a:r>
-            <a:r>
-              <a:rPr lang="en-GB" dirty="0" smtClean="0"/>
-              <a:t>integration</a:t>
+              <a:t>MVC2 Metadata integration</a:t>
             </a:r>
           </a:p>
           <a:p>
@@ -4477,7 +4473,13 @@
               <a:rPr lang="en-GB" dirty="0" smtClean="0">
                 <a:hlinkClick r:id="rId2"/>
               </a:rPr>
-              <a:t>http://FluentValidation.codeplex.com</a:t>
+              <a:t>http</a:t>
+            </a:r>
+            <a:r>
+              <a:rPr lang="en-GB" dirty="0" smtClean="0">
+                <a:hlinkClick r:id="rId2"/>
+              </a:rPr>
+              <a:t>://FluentValidation.codeplex.com</a:t>
             </a:r>
             <a:endParaRPr lang="en-GB" dirty="0" smtClean="0"/>
           </a:p>
@@ -4527,8 +4529,34 @@
         </p:blipFill>
         <p:spPr bwMode="auto">
           <a:xfrm>
-            <a:off x="6858000" y="2895600"/>
+            <a:off x="6781800" y="2819400"/>
             <a:ext cx="952500" cy="952500"/>
+          </a:xfrm>
+          <a:prstGeom prst="rect">
+            <a:avLst/>
+          </a:prstGeom>
+          <a:noFill/>
+        </p:spPr>
+      </p:pic>
+      <p:pic>
+        <p:nvPicPr>
+          <p:cNvPr id="5" name="Picture 2" descr="C:\projects\FluentValidation\fv.png"/>
+          <p:cNvPicPr>
+            <a:picLocks noChangeAspect="1" noChangeArrowheads="1"/>
+          </p:cNvPicPr>
+          <p:nvPr/>
+        </p:nvPicPr>
+        <p:blipFill>
+          <a:blip r:embed="rId6" cstate="print"/>
+          <a:srcRect/>
+          <a:stretch>
+            <a:fillRect/>
+          </a:stretch>
+        </p:blipFill>
+        <p:spPr bwMode="auto">
+          <a:xfrm>
+            <a:off x="304800" y="5334000"/>
+            <a:ext cx="2105025" cy="1143000"/>
           </a:xfrm>
           <a:prstGeom prst="rect">
             <a:avLst/>
